--- a/lectures/lecture #9 presentation.pptx
+++ b/lectures/lecture #9 presentation.pptx
@@ -213,7 +213,7 @@
           <a:p>
             <a:fld id="{9F16E362-832A-824E-B063-25F5DE831740}" type="datetimeFigureOut">
               <a:rPr lang="en-RU" smtClean="0"/>
-              <a:t>18.12.2021</a:t>
+              <a:t>28.12.2021</a:t>
             </a:fld>
             <a:endParaRPr lang="en-RU"/>
           </a:p>
@@ -3311,7 +3311,7 @@
                 </a:solidFill>
                 <a:latin typeface="Helvetica" pitchFamily="2" charset="0"/>
               </a:rPr>
-              <a:t>C++ Basics</a:t>
+              <a:t>OOP in C++</a:t>
             </a:r>
           </a:p>
           <a:p>
@@ -5249,12 +5249,9 @@
           <a:p>
             <a:r>
               <a:rPr lang="en-US" sz="1400" dirty="0">
-                <a:solidFill>
-                  <a:schemeClr val="accent4"/>
-                </a:solidFill>
                 <a:latin typeface="Helvetica" pitchFamily="2" charset="0"/>
               </a:rPr>
-              <a:t>C++ Basics</a:t>
+              <a:t>OOP in C++</a:t>
             </a:r>
           </a:p>
           <a:p>
